--- a/Project Power Point.pptx
+++ b/Project Power Point.pptx
@@ -6148,7 +6148,7 @@
           <a:p>
             <a:fld id="{9184DA70-C731-4C70-880D-CCD4705E623C}" type="datetime1">
               <a:rPr lang="en-US" smtClean="0"/>
-              <a:t>5/1/2020</a:t>
+              <a:t>5/2/2020</a:t>
             </a:fld>
             <a:endParaRPr lang="en-US" dirty="0"/>
           </a:p>
@@ -6444,7 +6444,7 @@
           <a:p>
             <a:fld id="{62D6E202-B606-4609-B914-27C9371A1F6D}" type="datetime1">
               <a:rPr lang="en-US" smtClean="0"/>
-              <a:t>5/1/2020</a:t>
+              <a:t>5/2/2020</a:t>
             </a:fld>
             <a:endParaRPr lang="en-US" dirty="0"/>
           </a:p>
@@ -6693,7 +6693,7 @@
           <a:p>
             <a:fld id="{62D6E202-B606-4609-B914-27C9371A1F6D}" type="datetime1">
               <a:rPr lang="en-US" smtClean="0"/>
-              <a:t>5/1/2020</a:t>
+              <a:t>5/2/2020</a:t>
             </a:fld>
             <a:endParaRPr lang="en-US" dirty="0"/>
           </a:p>
@@ -7234,7 +7234,7 @@
           <a:p>
             <a:fld id="{62D6E202-B606-4609-B914-27C9371A1F6D}" type="datetime1">
               <a:rPr lang="en-US" smtClean="0"/>
-              <a:t>5/1/2020</a:t>
+              <a:t>5/2/2020</a:t>
             </a:fld>
             <a:endParaRPr lang="en-US" dirty="0"/>
           </a:p>
@@ -7483,7 +7483,7 @@
           <a:p>
             <a:fld id="{62D6E202-B606-4609-B914-27C9371A1F6D}" type="datetime1">
               <a:rPr lang="en-US" smtClean="0"/>
-              <a:t>5/1/2020</a:t>
+              <a:t>5/2/2020</a:t>
             </a:fld>
             <a:endParaRPr lang="en-US" dirty="0"/>
           </a:p>
@@ -8016,7 +8016,7 @@
           <a:p>
             <a:fld id="{62D6E202-B606-4609-B914-27C9371A1F6D}" type="datetime1">
               <a:rPr lang="en-US" smtClean="0"/>
-              <a:t>5/1/2020</a:t>
+              <a:t>5/2/2020</a:t>
             </a:fld>
             <a:endParaRPr lang="en-US" dirty="0"/>
           </a:p>
@@ -8314,7 +8314,7 @@
           <a:p>
             <a:fld id="{62D6E202-B606-4609-B914-27C9371A1F6D}" type="datetime1">
               <a:rPr lang="en-US" smtClean="0"/>
-              <a:t>5/1/2020</a:t>
+              <a:t>5/2/2020</a:t>
             </a:fld>
             <a:endParaRPr lang="en-US" dirty="0"/>
           </a:p>
@@ -8489,7 +8489,7 @@
           <a:p>
             <a:fld id="{B612A279-0833-481D-8C56-F67FD0AC6C50}" type="datetime1">
               <a:rPr lang="en-US" smtClean="0"/>
-              <a:t>5/1/2020</a:t>
+              <a:t>5/2/2020</a:t>
             </a:fld>
             <a:endParaRPr lang="en-US" dirty="0"/>
           </a:p>
@@ -8669,7 +8669,7 @@
           <a:p>
             <a:fld id="{6587DA83-5663-4C9C-B9AA-0B40A3DAFF81}" type="datetime1">
               <a:rPr lang="en-US" smtClean="0"/>
-              <a:t>5/1/2020</a:t>
+              <a:t>5/2/2020</a:t>
             </a:fld>
             <a:endParaRPr lang="en-US" dirty="0"/>
           </a:p>
@@ -8839,7 +8839,7 @@
           <a:p>
             <a:fld id="{4BE1D723-8F53-4F53-90B0-1982A396982E}" type="datetime1">
               <a:rPr lang="en-US" smtClean="0"/>
-              <a:t>5/1/2020</a:t>
+              <a:t>5/2/2020</a:t>
             </a:fld>
             <a:endParaRPr lang="en-US" dirty="0"/>
           </a:p>
@@ -9090,7 +9090,7 @@
           <a:p>
             <a:fld id="{97669AF7-7BEB-44E4-9852-375E34362B5B}" type="datetime1">
               <a:rPr lang="en-US" smtClean="0"/>
-              <a:t>5/1/2020</a:t>
+              <a:t>5/2/2020</a:t>
             </a:fld>
             <a:endParaRPr lang="en-US" dirty="0"/>
           </a:p>
@@ -9387,7 +9387,7 @@
           <a:p>
             <a:fld id="{BAAAC38D-0552-4C82-B593-E6124DFADBE2}" type="datetime1">
               <a:rPr lang="en-US" smtClean="0"/>
-              <a:t>5/1/2020</a:t>
+              <a:t>5/2/2020</a:t>
             </a:fld>
             <a:endParaRPr lang="en-US" dirty="0"/>
           </a:p>
@@ -9829,7 +9829,7 @@
           <a:p>
             <a:fld id="{D9DF0F1C-5577-4ACB-BB62-DF8F3C494C7E}" type="datetime1">
               <a:rPr lang="en-US" smtClean="0"/>
-              <a:t>5/1/2020</a:t>
+              <a:t>5/2/2020</a:t>
             </a:fld>
             <a:endParaRPr lang="en-US" dirty="0"/>
           </a:p>
@@ -9947,7 +9947,7 @@
           <a:p>
             <a:fld id="{1775B394-D9F9-4F0C-B15D-605F45CB9E9F}" type="datetime1">
               <a:rPr lang="en-US" smtClean="0"/>
-              <a:t>5/1/2020</a:t>
+              <a:t>5/2/2020</a:t>
             </a:fld>
             <a:endParaRPr lang="en-US" dirty="0"/>
           </a:p>
@@ -10042,7 +10042,7 @@
           <a:p>
             <a:fld id="{39667345-2558-425A-8533-9BFDBCE15005}" type="datetime1">
               <a:rPr lang="en-US" smtClean="0"/>
-              <a:t>5/1/2020</a:t>
+              <a:t>5/2/2020</a:t>
             </a:fld>
             <a:endParaRPr lang="en-US" dirty="0"/>
           </a:p>
@@ -10325,7 +10325,7 @@
           <a:p>
             <a:fld id="{92BEA474-078D-4E9B-9B14-09A87B19DC46}" type="datetime1">
               <a:rPr lang="en-US" smtClean="0"/>
-              <a:t>5/1/2020</a:t>
+              <a:t>5/2/2020</a:t>
             </a:fld>
             <a:endParaRPr lang="en-US" dirty="0"/>
           </a:p>
@@ -10617,7 +10617,7 @@
           <a:p>
             <a:fld id="{4907D986-8816-4272-A432-0437A28A9828}" type="datetime1">
               <a:rPr lang="en-US" smtClean="0"/>
-              <a:t>5/1/2020</a:t>
+              <a:t>5/2/2020</a:t>
             </a:fld>
             <a:endParaRPr lang="en-US" dirty="0"/>
           </a:p>
@@ -11148,7 +11148,7 @@
           <a:p>
             <a:fld id="{62D6E202-B606-4609-B914-27C9371A1F6D}" type="datetime1">
               <a:rPr lang="en-US" smtClean="0"/>
-              <a:t>5/1/2020</a:t>
+              <a:t>5/2/2020</a:t>
             </a:fld>
             <a:endParaRPr lang="en-US" dirty="0"/>
           </a:p>
@@ -13688,14 +13688,25 @@
         </p:spPr>
         <p:txBody>
           <a:bodyPr>
-            <a:normAutofit fontScale="85000" lnSpcReduction="10000"/>
+            <a:normAutofit fontScale="70000" lnSpcReduction="20000"/>
           </a:bodyPr>
           <a:lstStyle/>
           <a:p>
             <a:r>
               <a:rPr lang="en-US" dirty="0"/>
-              <a:t>After pulling and analyzing this data it is not clear to me, if oil prices factor into Gross Domestic Product of the USA. There was a hint of correlation based on Oil Price and GDP percentage, but I do not think this has an affect on the overall macro outlook.</a:t>
+              <a:t>After pulling and analyzing this data, it is not clear to me, if oil prices factor into Gross Domestic Product of the USA. There was a hint of correlation based on Oil Price and GDP percentage, but I do not think this has an affect on the overall macro outlook.</a:t>
             </a:r>
+          </a:p>
+          <a:p>
+            <a:r>
+              <a:rPr lang="en-US" dirty="0"/>
+              <a:t>Oil is sold in US Dollars, so my thinking was that it would have a much more profound effect on the broader economic outlook. I could not make a solid analysis based </a:t>
+            </a:r>
+            <a:r>
+              <a:rPr lang="en-US"/>
+              <a:t>on the data I went and got</a:t>
+            </a:r>
+            <a:endParaRPr lang="en-US" dirty="0"/>
           </a:p>
           <a:p>
             <a:endParaRPr lang="en-US" dirty="0"/>
@@ -15081,7 +15092,7 @@
             </a:pPr>
             <a:r>
               <a:rPr lang="en-US" dirty="0"/>
-              <a:t> Issues I encountered were data formats that were inconsistent. For example the oil data month section. The data was a certain way for some years and then a different way for the remaining years.</a:t>
+              <a:t> Issues I encountered were data formats that were inconsistent. For example, the oil data month section. The data was a certain way for some years and then a different way for the remaining years.</a:t>
             </a:r>
           </a:p>
           <a:p>

--- a/Project Power Point.pptx
+++ b/Project Power Point.pptx
@@ -2058,7 +2058,7 @@
           </a:r>
           <a:r>
             <a:rPr lang="en-US" b="1" dirty="0"/>
-            <a:t>Bureau of Economic Analysis </a:t>
+            <a:t>Bureau of Economic Analysis (CSV)</a:t>
           </a:r>
           <a:endParaRPr lang="en-US" dirty="0"/>
         </a:p>
@@ -2107,7 +2107,7 @@
           </a:r>
           <a:r>
             <a:rPr lang="en-US" b="1" dirty="0"/>
-            <a:t>U.S. Energy Information Administration</a:t>
+            <a:t>U.S. Energy Information Administration (CSV)</a:t>
           </a:r>
           <a:endParaRPr lang="en-US" dirty="0"/>
         </a:p>
@@ -2156,7 +2156,7 @@
           </a:r>
           <a:r>
             <a:rPr lang="en-US" b="1" dirty="0"/>
-            <a:t>U.S. Department Of Energy </a:t>
+            <a:t>U.S. Department Of Energy (CSV)</a:t>
           </a:r>
           <a:endParaRPr lang="en-US" dirty="0"/>
         </a:p>
@@ -2940,7 +2940,7 @@
           </a:r>
           <a:r>
             <a:rPr lang="en-US" sz="1700" b="1" kern="1200" dirty="0"/>
-            <a:t>Bureau of Economic Analysis </a:t>
+            <a:t>Bureau of Economic Analysis (CSV)</a:t>
           </a:r>
           <a:endParaRPr lang="en-US" sz="1700" kern="1200" dirty="0"/>
         </a:p>
@@ -3062,7 +3062,7 @@
           </a:r>
           <a:r>
             <a:rPr lang="en-US" sz="1700" b="1" kern="1200" dirty="0"/>
-            <a:t>U.S. Energy Information Administration</a:t>
+            <a:t>U.S. Energy Information Administration (CSV)</a:t>
           </a:r>
           <a:endParaRPr lang="en-US" sz="1700" kern="1200" dirty="0"/>
         </a:p>
@@ -3184,7 +3184,7 @@
           </a:r>
           <a:r>
             <a:rPr lang="en-US" sz="1700" b="1" kern="1200" dirty="0"/>
-            <a:t>U.S. Department Of Energy </a:t>
+            <a:t>U.S. Department Of Energy (CSV)</a:t>
           </a:r>
           <a:endParaRPr lang="en-US" sz="1700" kern="1200" dirty="0"/>
         </a:p>
@@ -13688,7 +13688,7 @@
         </p:spPr>
         <p:txBody>
           <a:bodyPr>
-            <a:normAutofit fontScale="70000" lnSpcReduction="20000"/>
+            <a:normAutofit fontScale="62500" lnSpcReduction="20000"/>
           </a:bodyPr>
           <a:lstStyle/>
           <a:p>
@@ -13700,13 +13700,14 @@
           <a:p>
             <a:r>
               <a:rPr lang="en-US" dirty="0"/>
-              <a:t>Oil is sold in US Dollars, so my thinking was that it would have a much more profound effect on the broader economic outlook. I could not make a solid analysis based </a:t>
+              <a:t>Oil is sold in US Dollars, so my thinking was that it would have a much more profound effect on the broader economic outlook. I could not make a solid analysis based on the data I pulled.</a:t>
             </a:r>
+          </a:p>
+          <a:p>
             <a:r>
-              <a:rPr lang="en-US"/>
-              <a:t>on the data I went and got</a:t>
+              <a:rPr lang="en-US" dirty="0"/>
+              <a:t>More data needs to be analyzed (unemployment, inflation, labor market participation.</a:t>
             </a:r>
-            <a:endParaRPr lang="en-US" dirty="0"/>
           </a:p>
           <a:p>
             <a:endParaRPr lang="en-US" dirty="0"/>
@@ -14183,7 +14184,7 @@
           <a:p>
             <a:pPr lvl="0" algn="ctr"/>
             <a:r>
-              <a:rPr lang="en-US" sz="6700" i="1"/>
+              <a:rPr lang="en-US" sz="5400" i="1" dirty="0"/>
               <a:t>Is there a relation between Oil Prices and Gross Domestic Product? </a:t>
             </a:r>
           </a:p>
@@ -14213,22 +14214,33 @@
         </p:spPr>
         <p:txBody>
           <a:bodyPr>
-            <a:normAutofit/>
+            <a:normAutofit fontScale="85000" lnSpcReduction="10000"/>
           </a:bodyPr>
           <a:lstStyle/>
           <a:p>
-            <a:pPr algn="ctr">
+            <a:pPr marL="342900" indent="-342900" algn="ctr">
               <a:lnSpc>
                 <a:spcPct val="90000"/>
               </a:lnSpc>
+              <a:buFont typeface="Arial" panose="020B0604020202020204" pitchFamily="34" charset="0"/>
+              <a:buChar char="•"/>
             </a:pPr>
             <a:r>
-              <a:rPr lang="en-US" sz="2400" i="1"/>
-              <a:t>* </a:t>
+              <a:rPr lang="en-US" sz="2400" dirty="0"/>
+              <a:t>What is GDP? The GDP is the market value of all goods and services produced in a nation during a specific time period.</a:t>
             </a:r>
+          </a:p>
+          <a:p>
+            <a:pPr marL="342900" indent="-342900" algn="ctr">
+              <a:lnSpc>
+                <a:spcPct val="90000"/>
+              </a:lnSpc>
+              <a:buFont typeface="Arial" panose="020B0604020202020204" pitchFamily="34" charset="0"/>
+              <a:buChar char="•"/>
+            </a:pPr>
             <a:r>
-              <a:rPr lang="en-US" sz="2400"/>
-              <a:t>What is GDP? The GDP is the market value of all goods and services produced in a nation during a specific time period.</a:t>
+              <a:rPr lang="en-US" sz="2400" dirty="0"/>
+              <a:t>Oil is purchased in $ Dollar worldwide.</a:t>
             </a:r>
           </a:p>
         </p:txBody>
@@ -14454,7 +14466,7 @@
             <p:ph idx="1"/>
             <p:extLst>
               <p:ext uri="{D42A27DB-BD31-4B8C-83A1-F6EECF244321}">
-                <p14:modId xmlns:p14="http://schemas.microsoft.com/office/powerpoint/2010/main" val="3718266720"/>
+                <p14:modId xmlns:p14="http://schemas.microsoft.com/office/powerpoint/2010/main" val="1461388691"/>
               </p:ext>
             </p:extLst>
           </p:nvPr>
